--- a/images/1101軟工.期末實作內容說明 .pptx
+++ b/images/1101軟工.期末實作內容說明 .pptx
@@ -263,7 +263,7 @@
           <a:p>
             <a:fld id="{1DE84CCF-22A0-499D-A38F-330AC4342328}" type="datetimeFigureOut">
               <a:rPr lang="zh-TW" altLang="en-US" smtClean="0"/>
-              <a:t>2022/1/21</a:t>
+              <a:t>2022/1/23</a:t>
             </a:fld>
             <a:endParaRPr lang="zh-TW" altLang="en-US"/>
           </a:p>
@@ -461,7 +461,7 @@
           <a:p>
             <a:fld id="{1DE84CCF-22A0-499D-A38F-330AC4342328}" type="datetimeFigureOut">
               <a:rPr lang="zh-TW" altLang="en-US" smtClean="0"/>
-              <a:t>2022/1/21</a:t>
+              <a:t>2022/1/23</a:t>
             </a:fld>
             <a:endParaRPr lang="zh-TW" altLang="en-US"/>
           </a:p>
@@ -669,7 +669,7 @@
           <a:p>
             <a:fld id="{1DE84CCF-22A0-499D-A38F-330AC4342328}" type="datetimeFigureOut">
               <a:rPr lang="zh-TW" altLang="en-US" smtClean="0"/>
-              <a:t>2022/1/21</a:t>
+              <a:t>2022/1/23</a:t>
             </a:fld>
             <a:endParaRPr lang="zh-TW" altLang="en-US"/>
           </a:p>
@@ -867,7 +867,7 @@
           <a:p>
             <a:fld id="{1DE84CCF-22A0-499D-A38F-330AC4342328}" type="datetimeFigureOut">
               <a:rPr lang="zh-TW" altLang="en-US" smtClean="0"/>
-              <a:t>2022/1/21</a:t>
+              <a:t>2022/1/23</a:t>
             </a:fld>
             <a:endParaRPr lang="zh-TW" altLang="en-US"/>
           </a:p>
@@ -1142,7 +1142,7 @@
           <a:p>
             <a:fld id="{1DE84CCF-22A0-499D-A38F-330AC4342328}" type="datetimeFigureOut">
               <a:rPr lang="zh-TW" altLang="en-US" smtClean="0"/>
-              <a:t>2022/1/21</a:t>
+              <a:t>2022/1/23</a:t>
             </a:fld>
             <a:endParaRPr lang="zh-TW" altLang="en-US"/>
           </a:p>
@@ -1407,7 +1407,7 @@
           <a:p>
             <a:fld id="{1DE84CCF-22A0-499D-A38F-330AC4342328}" type="datetimeFigureOut">
               <a:rPr lang="zh-TW" altLang="en-US" smtClean="0"/>
-              <a:t>2022/1/21</a:t>
+              <a:t>2022/1/23</a:t>
             </a:fld>
             <a:endParaRPr lang="zh-TW" altLang="en-US"/>
           </a:p>
@@ -1819,7 +1819,7 @@
           <a:p>
             <a:fld id="{1DE84CCF-22A0-499D-A38F-330AC4342328}" type="datetimeFigureOut">
               <a:rPr lang="zh-TW" altLang="en-US" smtClean="0"/>
-              <a:t>2022/1/21</a:t>
+              <a:t>2022/1/23</a:t>
             </a:fld>
             <a:endParaRPr lang="zh-TW" altLang="en-US"/>
           </a:p>
@@ -1960,7 +1960,7 @@
           <a:p>
             <a:fld id="{1DE84CCF-22A0-499D-A38F-330AC4342328}" type="datetimeFigureOut">
               <a:rPr lang="zh-TW" altLang="en-US" smtClean="0"/>
-              <a:t>2022/1/21</a:t>
+              <a:t>2022/1/23</a:t>
             </a:fld>
             <a:endParaRPr lang="zh-TW" altLang="en-US"/>
           </a:p>
@@ -2073,7 +2073,7 @@
           <a:p>
             <a:fld id="{1DE84CCF-22A0-499D-A38F-330AC4342328}" type="datetimeFigureOut">
               <a:rPr lang="zh-TW" altLang="en-US" smtClean="0"/>
-              <a:t>2022/1/21</a:t>
+              <a:t>2022/1/23</a:t>
             </a:fld>
             <a:endParaRPr lang="zh-TW" altLang="en-US"/>
           </a:p>
@@ -2384,7 +2384,7 @@
           <a:p>
             <a:fld id="{1DE84CCF-22A0-499D-A38F-330AC4342328}" type="datetimeFigureOut">
               <a:rPr lang="zh-TW" altLang="en-US" smtClean="0"/>
-              <a:t>2022/1/21</a:t>
+              <a:t>2022/1/23</a:t>
             </a:fld>
             <a:endParaRPr lang="zh-TW" altLang="en-US"/>
           </a:p>
@@ -2672,7 +2672,7 @@
           <a:p>
             <a:fld id="{1DE84CCF-22A0-499D-A38F-330AC4342328}" type="datetimeFigureOut">
               <a:rPr lang="zh-TW" altLang="en-US" smtClean="0"/>
-              <a:t>2022/1/21</a:t>
+              <a:t>2022/1/23</a:t>
             </a:fld>
             <a:endParaRPr lang="zh-TW" altLang="en-US"/>
           </a:p>
@@ -2913,7 +2913,7 @@
           <a:p>
             <a:fld id="{1DE84CCF-22A0-499D-A38F-330AC4342328}" type="datetimeFigureOut">
               <a:rPr lang="zh-TW" altLang="en-US" smtClean="0"/>
-              <a:t>2022/1/21</a:t>
+              <a:t>2022/1/23</a:t>
             </a:fld>
             <a:endParaRPr lang="zh-TW" altLang="en-US"/>
           </a:p>
@@ -4338,7 +4338,7 @@
         </p:blipFill>
         <p:spPr>
           <a:xfrm>
-            <a:off x="2625686" y="166549"/>
+            <a:off x="2625686" y="0"/>
             <a:ext cx="9383434" cy="2295845"/>
           </a:xfrm>
           <a:prstGeom prst="rect">
@@ -4362,7 +4362,7 @@
         </p:blipFill>
         <p:spPr>
           <a:xfrm>
-            <a:off x="2054106" y="2710680"/>
+            <a:off x="2208407" y="2415116"/>
             <a:ext cx="9983593" cy="1924319"/>
           </a:xfrm>
           <a:prstGeom prst="rect">
@@ -4386,7 +4386,7 @@
         </p:blipFill>
         <p:spPr>
           <a:xfrm>
-            <a:off x="2625686" y="4756919"/>
+            <a:off x="2422486" y="4636846"/>
             <a:ext cx="9412013" cy="1962424"/>
           </a:xfrm>
           <a:prstGeom prst="rect">

--- a/images/1101軟工.期末實作內容說明 .pptx
+++ b/images/1101軟工.期末實作內容說明 .pptx
@@ -263,7 +263,7 @@
           <a:p>
             <a:fld id="{1DE84CCF-22A0-499D-A38F-330AC4342328}" type="datetimeFigureOut">
               <a:rPr lang="zh-TW" altLang="en-US" smtClean="0"/>
-              <a:t>2022/1/23</a:t>
+              <a:t>2022/1/24</a:t>
             </a:fld>
             <a:endParaRPr lang="zh-TW" altLang="en-US"/>
           </a:p>
@@ -461,7 +461,7 @@
           <a:p>
             <a:fld id="{1DE84CCF-22A0-499D-A38F-330AC4342328}" type="datetimeFigureOut">
               <a:rPr lang="zh-TW" altLang="en-US" smtClean="0"/>
-              <a:t>2022/1/23</a:t>
+              <a:t>2022/1/24</a:t>
             </a:fld>
             <a:endParaRPr lang="zh-TW" altLang="en-US"/>
           </a:p>
@@ -669,7 +669,7 @@
           <a:p>
             <a:fld id="{1DE84CCF-22A0-499D-A38F-330AC4342328}" type="datetimeFigureOut">
               <a:rPr lang="zh-TW" altLang="en-US" smtClean="0"/>
-              <a:t>2022/1/23</a:t>
+              <a:t>2022/1/24</a:t>
             </a:fld>
             <a:endParaRPr lang="zh-TW" altLang="en-US"/>
           </a:p>
@@ -867,7 +867,7 @@
           <a:p>
             <a:fld id="{1DE84CCF-22A0-499D-A38F-330AC4342328}" type="datetimeFigureOut">
               <a:rPr lang="zh-TW" altLang="en-US" smtClean="0"/>
-              <a:t>2022/1/23</a:t>
+              <a:t>2022/1/24</a:t>
             </a:fld>
             <a:endParaRPr lang="zh-TW" altLang="en-US"/>
           </a:p>
@@ -1142,7 +1142,7 @@
           <a:p>
             <a:fld id="{1DE84CCF-22A0-499D-A38F-330AC4342328}" type="datetimeFigureOut">
               <a:rPr lang="zh-TW" altLang="en-US" smtClean="0"/>
-              <a:t>2022/1/23</a:t>
+              <a:t>2022/1/24</a:t>
             </a:fld>
             <a:endParaRPr lang="zh-TW" altLang="en-US"/>
           </a:p>
@@ -1407,7 +1407,7 @@
           <a:p>
             <a:fld id="{1DE84CCF-22A0-499D-A38F-330AC4342328}" type="datetimeFigureOut">
               <a:rPr lang="zh-TW" altLang="en-US" smtClean="0"/>
-              <a:t>2022/1/23</a:t>
+              <a:t>2022/1/24</a:t>
             </a:fld>
             <a:endParaRPr lang="zh-TW" altLang="en-US"/>
           </a:p>
@@ -1819,7 +1819,7 @@
           <a:p>
             <a:fld id="{1DE84CCF-22A0-499D-A38F-330AC4342328}" type="datetimeFigureOut">
               <a:rPr lang="zh-TW" altLang="en-US" smtClean="0"/>
-              <a:t>2022/1/23</a:t>
+              <a:t>2022/1/24</a:t>
             </a:fld>
             <a:endParaRPr lang="zh-TW" altLang="en-US"/>
           </a:p>
@@ -1960,7 +1960,7 @@
           <a:p>
             <a:fld id="{1DE84CCF-22A0-499D-A38F-330AC4342328}" type="datetimeFigureOut">
               <a:rPr lang="zh-TW" altLang="en-US" smtClean="0"/>
-              <a:t>2022/1/23</a:t>
+              <a:t>2022/1/24</a:t>
             </a:fld>
             <a:endParaRPr lang="zh-TW" altLang="en-US"/>
           </a:p>
@@ -2073,7 +2073,7 @@
           <a:p>
             <a:fld id="{1DE84CCF-22A0-499D-A38F-330AC4342328}" type="datetimeFigureOut">
               <a:rPr lang="zh-TW" altLang="en-US" smtClean="0"/>
-              <a:t>2022/1/23</a:t>
+              <a:t>2022/1/24</a:t>
             </a:fld>
             <a:endParaRPr lang="zh-TW" altLang="en-US"/>
           </a:p>
@@ -2384,7 +2384,7 @@
           <a:p>
             <a:fld id="{1DE84CCF-22A0-499D-A38F-330AC4342328}" type="datetimeFigureOut">
               <a:rPr lang="zh-TW" altLang="en-US" smtClean="0"/>
-              <a:t>2022/1/23</a:t>
+              <a:t>2022/1/24</a:t>
             </a:fld>
             <a:endParaRPr lang="zh-TW" altLang="en-US"/>
           </a:p>
@@ -2672,7 +2672,7 @@
           <a:p>
             <a:fld id="{1DE84CCF-22A0-499D-A38F-330AC4342328}" type="datetimeFigureOut">
               <a:rPr lang="zh-TW" altLang="en-US" smtClean="0"/>
-              <a:t>2022/1/23</a:t>
+              <a:t>2022/1/24</a:t>
             </a:fld>
             <a:endParaRPr lang="zh-TW" altLang="en-US"/>
           </a:p>
@@ -2913,7 +2913,7 @@
           <a:p>
             <a:fld id="{1DE84CCF-22A0-499D-A38F-330AC4342328}" type="datetimeFigureOut">
               <a:rPr lang="zh-TW" altLang="en-US" smtClean="0"/>
-              <a:t>2022/1/23</a:t>
+              <a:t>2022/1/24</a:t>
             </a:fld>
             <a:endParaRPr lang="zh-TW" altLang="en-US"/>
           </a:p>
@@ -5278,8 +5278,8 @@
         </p:nvSpPr>
         <p:spPr>
           <a:xfrm>
-            <a:off x="2082800" y="1359113"/>
-            <a:ext cx="1381760" cy="369332"/>
+            <a:off x="1927120" y="1341085"/>
+            <a:ext cx="1923519" cy="369332"/>
           </a:xfrm>
           <a:prstGeom prst="rect">
             <a:avLst/>
@@ -5293,14 +5293,23 @@
           <a:lstStyle/>
           <a:p>
             <a:r>
-              <a:rPr lang="en-US" altLang="zh-TW" dirty="0" err="1" smtClean="0"/>
+              <a:rPr lang="en-US" altLang="zh-TW" b="1" dirty="0" err="1" smtClean="0">
+                <a:latin typeface="微軟正黑體" panose="020B0604030504040204" pitchFamily="34" charset="-120"/>
+                <a:ea typeface="微軟正黑體" panose="020B0604030504040204" pitchFamily="34" charset="-120"/>
+              </a:rPr>
               <a:t>Navbar</a:t>
             </a:r>
             <a:r>
-              <a:rPr lang="zh-TW" altLang="en-US" dirty="0" smtClean="0"/>
+              <a:rPr lang="zh-TW" altLang="en-US" b="1" dirty="0" smtClean="0">
+                <a:latin typeface="微軟正黑體" panose="020B0604030504040204" pitchFamily="34" charset="-120"/>
+                <a:ea typeface="微軟正黑體" panose="020B0604030504040204" pitchFamily="34" charset="-120"/>
+              </a:rPr>
               <a:t>登出</a:t>
             </a:r>
-            <a:endParaRPr lang="zh-TW" altLang="en-US" dirty="0"/>
+            <a:endParaRPr lang="zh-TW" altLang="en-US" b="1" dirty="0">
+              <a:latin typeface="微軟正黑體" panose="020B0604030504040204" pitchFamily="34" charset="-120"/>
+              <a:ea typeface="微軟正黑體" panose="020B0604030504040204" pitchFamily="34" charset="-120"/>
+            </a:endParaRPr>
           </a:p>
         </p:txBody>
       </p:sp>
